--- a/Digitální šatník.pptx
+++ b/Digitální šatník.pptx
@@ -5,7 +5,7 @@
     <p:sldMasterId id="2147483684" r:id="rId1"/>
   </p:sldMasterIdLst>
   <p:notesMasterIdLst>
-    <p:notesMasterId r:id="rId7"/>
+    <p:notesMasterId r:id="rId8"/>
   </p:notesMasterIdLst>
   <p:sldIdLst>
     <p:sldId id="256" r:id="rId2"/>
@@ -13,6 +13,7 @@
     <p:sldId id="258" r:id="rId4"/>
     <p:sldId id="259" r:id="rId5"/>
     <p:sldId id="260" r:id="rId6"/>
+    <p:sldId id="261" r:id="rId7"/>
   </p:sldIdLst>
   <p:sldSz cx="12192000" cy="6858000"/>
   <p:notesSz cx="6858000" cy="9144000"/>
@@ -12391,6 +12392,90 @@
 </p:notes>
 </file>
 
+<file path=ppt/notesSlides/notesSlide4.xml><?xml version="1.0" encoding="utf-8"?>
+<p:notes xmlns:a="http://schemas.openxmlformats.org/drawingml/2006/main" xmlns:r="http://schemas.openxmlformats.org/officeDocument/2006/relationships" xmlns:p="http://schemas.openxmlformats.org/presentationml/2006/main">
+  <p:cSld>
+    <p:spTree>
+      <p:nvGrpSpPr>
+        <p:cNvPr id="1" name=""/>
+        <p:cNvGrpSpPr/>
+        <p:nvPr/>
+      </p:nvGrpSpPr>
+      <p:grpSpPr>
+        <a:xfrm>
+          <a:off x="0" y="0"/>
+          <a:ext cx="0" cy="0"/>
+          <a:chOff x="0" y="0"/>
+          <a:chExt cx="0" cy="0"/>
+        </a:xfrm>
+      </p:grpSpPr>
+      <p:sp>
+        <p:nvSpPr>
+          <p:cNvPr id="2" name="Zástupný symbol pro obrázek snímku 1"/>
+          <p:cNvSpPr>
+            <a:spLocks noGrp="1" noRot="1" noChangeAspect="1"/>
+          </p:cNvSpPr>
+          <p:nvPr>
+            <p:ph type="sldImg"/>
+          </p:nvPr>
+        </p:nvSpPr>
+        <p:spPr/>
+      </p:sp>
+      <p:sp>
+        <p:nvSpPr>
+          <p:cNvPr id="3" name="Zástupný symbol pro poznámky 2"/>
+          <p:cNvSpPr>
+            <a:spLocks noGrp="1"/>
+          </p:cNvSpPr>
+          <p:nvPr>
+            <p:ph type="body" idx="1"/>
+          </p:nvPr>
+        </p:nvSpPr>
+        <p:spPr/>
+        <p:txBody>
+          <a:bodyPr/>
+          <a:lstStyle/>
+          <a:p>
+            <a:endParaRPr lang="cs-CZ" dirty="0"/>
+          </a:p>
+        </p:txBody>
+      </p:sp>
+      <p:sp>
+        <p:nvSpPr>
+          <p:cNvPr id="4" name="Zástupný symbol pro číslo snímku 3"/>
+          <p:cNvSpPr>
+            <a:spLocks noGrp="1"/>
+          </p:cNvSpPr>
+          <p:nvPr>
+            <p:ph type="sldNum" sz="quarter" idx="5"/>
+          </p:nvPr>
+        </p:nvSpPr>
+        <p:spPr/>
+        <p:txBody>
+          <a:bodyPr/>
+          <a:lstStyle/>
+          <a:p>
+            <a:fld id="{4E17580F-8709-4CC9-A7D4-B242CC8B8D79}" type="slidenum">
+              <a:rPr lang="en-GB" smtClean="0"/>
+              <a:t>6</a:t>
+            </a:fld>
+            <a:endParaRPr lang="en-GB"/>
+          </a:p>
+        </p:txBody>
+      </p:sp>
+    </p:spTree>
+    <p:extLst>
+      <p:ext uri="{BB962C8B-B14F-4D97-AF65-F5344CB8AC3E}">
+        <p14:creationId xmlns:p14="http://schemas.microsoft.com/office/powerpoint/2010/main" val="122771124"/>
+      </p:ext>
+    </p:extLst>
+  </p:cSld>
+  <p:clrMapOvr>
+    <a:masterClrMapping/>
+  </p:clrMapOvr>
+</p:notes>
+</file>
+
 <file path=ppt/slideLayouts/slideLayout1.xml><?xml version="1.0" encoding="utf-8"?>
 <p:sldLayout xmlns:a="http://schemas.openxmlformats.org/drawingml/2006/main" xmlns:r="http://schemas.openxmlformats.org/officeDocument/2006/relationships" xmlns:p="http://schemas.openxmlformats.org/presentationml/2006/main" type="title" preserve="1">
   <p:cSld name="Title Slide">
@@ -17141,6 +17226,722 @@
 </p:sld>
 </file>
 
+<file path=ppt/slides/slide6.xml><?xml version="1.0" encoding="utf-8"?>
+<p:sld xmlns:a="http://schemas.openxmlformats.org/drawingml/2006/main" xmlns:r="http://schemas.openxmlformats.org/officeDocument/2006/relationships" xmlns:p="http://schemas.openxmlformats.org/presentationml/2006/main">
+  <p:cSld>
+    <p:bg>
+      <p:bgPr>
+        <a:solidFill>
+          <a:schemeClr val="bg1"/>
+        </a:solidFill>
+        <a:effectLst/>
+      </p:bgPr>
+    </p:bg>
+    <p:spTree>
+      <p:nvGrpSpPr>
+        <p:cNvPr id="1" name=""/>
+        <p:cNvGrpSpPr/>
+        <p:nvPr/>
+      </p:nvGrpSpPr>
+      <p:grpSpPr>
+        <a:xfrm>
+          <a:off x="0" y="0"/>
+          <a:ext cx="0" cy="0"/>
+          <a:chOff x="0" y="0"/>
+          <a:chExt cx="0" cy="0"/>
+        </a:xfrm>
+      </p:grpSpPr>
+      <p:sp useBgFill="1">
+        <p:nvSpPr>
+          <p:cNvPr id="8" name="Rectangle 7">
+            <a:extLst>
+              <a:ext uri="{FF2B5EF4-FFF2-40B4-BE49-F238E27FC236}">
+                <a16:creationId xmlns:a16="http://schemas.microsoft.com/office/drawing/2014/main" id="{577D6B2E-37A3-429E-A37C-F30ED6487282}"/>
+              </a:ext>
+              <a:ext uri="{C183D7F6-B498-43B3-948B-1728B52AA6E4}">
+                <adec:decorative xmlns:adec="http://schemas.microsoft.com/office/drawing/2017/decorative" val="1"/>
+              </a:ext>
+            </a:extLst>
+          </p:cNvPr>
+          <p:cNvSpPr>
+            <a:spLocks noGrp="1" noRot="1" noChangeAspect="1" noMove="1" noResize="1" noEditPoints="1" noAdjustHandles="1" noChangeArrowheads="1" noChangeShapeType="1" noTextEdit="1"/>
+          </p:cNvSpPr>
+          <p:nvPr>
+            <p:extLst>
+              <p:ext uri="{386F3935-93C4-4BCD-93E2-E3B085C9AB24}">
+                <p16:designElem xmlns:p16="http://schemas.microsoft.com/office/powerpoint/2015/main" val="1"/>
+              </p:ext>
+            </p:extLst>
+          </p:nvPr>
+        </p:nvSpPr>
+        <p:spPr>
+          <a:xfrm>
+            <a:off x="0" y="0"/>
+            <a:ext cx="12192000" cy="6858000"/>
+          </a:xfrm>
+          <a:prstGeom prst="rect">
+            <a:avLst/>
+          </a:prstGeom>
+          <a:ln w="12700" cap="flat" cmpd="sng" algn="ctr">
+            <a:noFill/>
+            <a:prstDash val="solid"/>
+            <a:miter lim="800000"/>
+          </a:ln>
+          <a:effectLst/>
+          <a:extLst>
+            <a:ext uri="{91240B29-F687-4F45-9708-019B960494DF}">
+              <a14:hiddenLine xmlns:a14="http://schemas.microsoft.com/office/drawing/2010/main" w="12700" cap="flat" cmpd="sng" algn="ctr">
+                <a:solidFill>
+                  <a:schemeClr val="accent1">
+                    <a:shade val="50000"/>
+                  </a:schemeClr>
+                </a:solidFill>
+                <a:prstDash val="solid"/>
+                <a:miter lim="800000"/>
+              </a14:hiddenLine>
+            </a:ext>
+          </a:extLst>
+        </p:spPr>
+        <p:style>
+          <a:lnRef idx="2">
+            <a:schemeClr val="accent1">
+              <a:shade val="50000"/>
+            </a:schemeClr>
+          </a:lnRef>
+          <a:fillRef idx="1">
+            <a:schemeClr val="accent1"/>
+          </a:fillRef>
+          <a:effectRef idx="0">
+            <a:schemeClr val="accent1"/>
+          </a:effectRef>
+          <a:fontRef idx="minor">
+            <a:schemeClr val="lt1"/>
+          </a:fontRef>
+        </p:style>
+        <p:txBody>
+          <a:bodyPr rtlCol="0" anchor="ctr"/>
+          <a:lstStyle/>
+          <a:p>
+            <a:pPr algn="ctr"/>
+            <a:endParaRPr lang="en-US"/>
+          </a:p>
+        </p:txBody>
+      </p:sp>
+      <p:sp>
+        <p:nvSpPr>
+          <p:cNvPr id="10" name="Rectangle 9">
+            <a:extLst>
+              <a:ext uri="{FF2B5EF4-FFF2-40B4-BE49-F238E27FC236}">
+                <a16:creationId xmlns:a16="http://schemas.microsoft.com/office/drawing/2014/main" id="{5CEAD642-85CF-4750-8432-7C80C901F001}"/>
+              </a:ext>
+              <a:ext uri="{C183D7F6-B498-43B3-948B-1728B52AA6E4}">
+                <adec:decorative xmlns:adec="http://schemas.microsoft.com/office/drawing/2017/decorative" val="1"/>
+              </a:ext>
+            </a:extLst>
+          </p:cNvPr>
+          <p:cNvSpPr>
+            <a:spLocks noGrp="1" noRot="1" noChangeAspect="1" noMove="1" noResize="1" noEditPoints="1" noAdjustHandles="1" noChangeArrowheads="1" noChangeShapeType="1" noTextEdit="1"/>
+          </p:cNvSpPr>
+          <p:nvPr>
+            <p:extLst>
+              <p:ext uri="{386F3935-93C4-4BCD-93E2-E3B085C9AB24}">
+                <p16:designElem xmlns:p16="http://schemas.microsoft.com/office/powerpoint/2015/main" val="1"/>
+              </p:ext>
+            </p:extLst>
+          </p:nvPr>
+        </p:nvSpPr>
+        <p:spPr>
+          <a:xfrm rot="10800000">
+            <a:off x="-11723" y="-1"/>
+            <a:ext cx="12225953" cy="6868071"/>
+          </a:xfrm>
+          <a:prstGeom prst="rect">
+            <a:avLst/>
+          </a:prstGeom>
+          <a:gradFill>
+            <a:gsLst>
+              <a:gs pos="0">
+                <a:srgbClr val="000000"/>
+              </a:gs>
+              <a:gs pos="100000">
+                <a:schemeClr val="accent1">
+                  <a:lumMod val="75000"/>
+                </a:schemeClr>
+              </a:gs>
+            </a:gsLst>
+            <a:lin ang="4200000" scaled="0"/>
+          </a:gradFill>
+          <a:ln>
+            <a:noFill/>
+          </a:ln>
+        </p:spPr>
+        <p:style>
+          <a:lnRef idx="2">
+            <a:schemeClr val="accent1">
+              <a:shade val="50000"/>
+            </a:schemeClr>
+          </a:lnRef>
+          <a:fillRef idx="1">
+            <a:schemeClr val="accent1"/>
+          </a:fillRef>
+          <a:effectRef idx="0">
+            <a:schemeClr val="accent1"/>
+          </a:effectRef>
+          <a:fontRef idx="minor">
+            <a:schemeClr val="lt1"/>
+          </a:fontRef>
+        </p:style>
+        <p:txBody>
+          <a:bodyPr rtlCol="0" anchor="ctr"/>
+          <a:lstStyle/>
+          <a:p>
+            <a:pPr algn="ctr"/>
+            <a:endParaRPr lang="en-US"/>
+          </a:p>
+        </p:txBody>
+      </p:sp>
+      <p:sp>
+        <p:nvSpPr>
+          <p:cNvPr id="12" name="Rectangle 11">
+            <a:extLst>
+              <a:ext uri="{FF2B5EF4-FFF2-40B4-BE49-F238E27FC236}">
+                <a16:creationId xmlns:a16="http://schemas.microsoft.com/office/drawing/2014/main" id="{FA33EEAE-15D5-4119-8C1E-89D943F911EF}"/>
+              </a:ext>
+              <a:ext uri="{C183D7F6-B498-43B3-948B-1728B52AA6E4}">
+                <adec:decorative xmlns:adec="http://schemas.microsoft.com/office/drawing/2017/decorative" val="1"/>
+              </a:ext>
+            </a:extLst>
+          </p:cNvPr>
+          <p:cNvSpPr>
+            <a:spLocks noGrp="1" noRot="1" noChangeAspect="1" noMove="1" noResize="1" noEditPoints="1" noAdjustHandles="1" noChangeArrowheads="1" noChangeShapeType="1" noTextEdit="1"/>
+          </p:cNvSpPr>
+          <p:nvPr>
+            <p:extLst>
+              <p:ext uri="{386F3935-93C4-4BCD-93E2-E3B085C9AB24}">
+                <p16:designElem xmlns:p16="http://schemas.microsoft.com/office/powerpoint/2015/main" val="1"/>
+              </p:ext>
+            </p:extLst>
+          </p:nvPr>
+        </p:nvSpPr>
+        <p:spPr>
+          <a:xfrm rot="10800000" flipH="1">
+            <a:off x="441959" y="-3"/>
+            <a:ext cx="11772269" cy="6868074"/>
+          </a:xfrm>
+          <a:prstGeom prst="rect">
+            <a:avLst/>
+          </a:prstGeom>
+          <a:gradFill>
+            <a:gsLst>
+              <a:gs pos="21000">
+                <a:schemeClr val="accent1">
+                  <a:lumMod val="50000"/>
+                  <a:alpha val="83000"/>
+                </a:schemeClr>
+              </a:gs>
+              <a:gs pos="100000">
+                <a:schemeClr val="accent1">
+                  <a:alpha val="0"/>
+                </a:schemeClr>
+              </a:gs>
+            </a:gsLst>
+            <a:lin ang="8400000" scaled="0"/>
+          </a:gradFill>
+          <a:ln>
+            <a:noFill/>
+          </a:ln>
+        </p:spPr>
+        <p:style>
+          <a:lnRef idx="2">
+            <a:schemeClr val="accent1">
+              <a:shade val="50000"/>
+            </a:schemeClr>
+          </a:lnRef>
+          <a:fillRef idx="1">
+            <a:schemeClr val="accent1"/>
+          </a:fillRef>
+          <a:effectRef idx="0">
+            <a:schemeClr val="accent1"/>
+          </a:effectRef>
+          <a:fontRef idx="minor">
+            <a:schemeClr val="lt1"/>
+          </a:fontRef>
+        </p:style>
+        <p:txBody>
+          <a:bodyPr rtlCol="0" anchor="ctr"/>
+          <a:lstStyle/>
+          <a:p>
+            <a:pPr algn="ctr"/>
+            <a:endParaRPr lang="en-US"/>
+          </a:p>
+        </p:txBody>
+      </p:sp>
+      <p:sp>
+        <p:nvSpPr>
+          <p:cNvPr id="14" name="Rectangle 13">
+            <a:extLst>
+              <a:ext uri="{FF2B5EF4-FFF2-40B4-BE49-F238E27FC236}">
+                <a16:creationId xmlns:a16="http://schemas.microsoft.com/office/drawing/2014/main" id="{730D8B3B-9B80-4025-B934-26DC7D7CD231}"/>
+              </a:ext>
+              <a:ext uri="{C183D7F6-B498-43B3-948B-1728B52AA6E4}">
+                <adec:decorative xmlns:adec="http://schemas.microsoft.com/office/drawing/2017/decorative" val="1"/>
+              </a:ext>
+            </a:extLst>
+          </p:cNvPr>
+          <p:cNvSpPr>
+            <a:spLocks noGrp="1" noRot="1" noChangeAspect="1" noMove="1" noResize="1" noEditPoints="1" noAdjustHandles="1" noChangeArrowheads="1" noChangeShapeType="1" noTextEdit="1"/>
+          </p:cNvSpPr>
+          <p:nvPr>
+            <p:extLst>
+              <p:ext uri="{386F3935-93C4-4BCD-93E2-E3B085C9AB24}">
+                <p16:designElem xmlns:p16="http://schemas.microsoft.com/office/powerpoint/2015/main" val="1"/>
+              </p:ext>
+            </p:extLst>
+          </p:nvPr>
+        </p:nvSpPr>
+        <p:spPr>
+          <a:xfrm rot="10800000">
+            <a:off x="-15200" y="0"/>
+            <a:ext cx="3623374" cy="6868072"/>
+          </a:xfrm>
+          <a:prstGeom prst="rect">
+            <a:avLst/>
+          </a:prstGeom>
+          <a:gradFill>
+            <a:gsLst>
+              <a:gs pos="0">
+                <a:schemeClr val="accent1">
+                  <a:lumMod val="75000"/>
+                  <a:alpha val="0"/>
+                </a:schemeClr>
+              </a:gs>
+              <a:gs pos="99000">
+                <a:srgbClr val="000000">
+                  <a:alpha val="41000"/>
+                </a:srgbClr>
+              </a:gs>
+            </a:gsLst>
+            <a:lin ang="13200000" scaled="0"/>
+          </a:gradFill>
+          <a:ln>
+            <a:noFill/>
+          </a:ln>
+        </p:spPr>
+        <p:style>
+          <a:lnRef idx="2">
+            <a:schemeClr val="accent1">
+              <a:shade val="50000"/>
+            </a:schemeClr>
+          </a:lnRef>
+          <a:fillRef idx="1">
+            <a:schemeClr val="accent1"/>
+          </a:fillRef>
+          <a:effectRef idx="0">
+            <a:schemeClr val="accent1"/>
+          </a:effectRef>
+          <a:fontRef idx="minor">
+            <a:schemeClr val="lt1"/>
+          </a:fontRef>
+        </p:style>
+        <p:txBody>
+          <a:bodyPr rtlCol="0" anchor="ctr"/>
+          <a:lstStyle/>
+          <a:p>
+            <a:pPr algn="ctr"/>
+            <a:endParaRPr lang="en-US"/>
+          </a:p>
+        </p:txBody>
+      </p:sp>
+      <p:sp>
+        <p:nvSpPr>
+          <p:cNvPr id="16" name="Rectangle 15">
+            <a:extLst>
+              <a:ext uri="{FF2B5EF4-FFF2-40B4-BE49-F238E27FC236}">
+                <a16:creationId xmlns:a16="http://schemas.microsoft.com/office/drawing/2014/main" id="{1064D5D5-227B-4F66-9AEA-46F570E793BD}"/>
+              </a:ext>
+              <a:ext uri="{C183D7F6-B498-43B3-948B-1728B52AA6E4}">
+                <adec:decorative xmlns:adec="http://schemas.microsoft.com/office/drawing/2017/decorative" val="1"/>
+              </a:ext>
+            </a:extLst>
+          </p:cNvPr>
+          <p:cNvSpPr>
+            <a:spLocks noGrp="1" noRot="1" noChangeAspect="1" noMove="1" noResize="1" noEditPoints="1" noAdjustHandles="1" noChangeArrowheads="1" noChangeShapeType="1" noTextEdit="1"/>
+          </p:cNvSpPr>
+          <p:nvPr>
+            <p:extLst>
+              <p:ext uri="{386F3935-93C4-4BCD-93E2-E3B085C9AB24}">
+                <p16:designElem xmlns:p16="http://schemas.microsoft.com/office/powerpoint/2015/main" val="1"/>
+              </p:ext>
+            </p:extLst>
+          </p:nvPr>
+        </p:nvSpPr>
+        <p:spPr>
+          <a:xfrm flipH="1">
+            <a:off x="-15875" y="-3"/>
+            <a:ext cx="12233581" cy="6868076"/>
+          </a:xfrm>
+          <a:prstGeom prst="rect">
+            <a:avLst/>
+          </a:prstGeom>
+          <a:gradFill>
+            <a:gsLst>
+              <a:gs pos="3000">
+                <a:schemeClr val="accent1">
+                  <a:lumMod val="75000"/>
+                  <a:alpha val="0"/>
+                </a:schemeClr>
+              </a:gs>
+              <a:gs pos="100000">
+                <a:srgbClr val="000000">
+                  <a:alpha val="73000"/>
+                </a:srgbClr>
+              </a:gs>
+            </a:gsLst>
+            <a:lin ang="17400000" scaled="0"/>
+          </a:gradFill>
+          <a:ln>
+            <a:noFill/>
+          </a:ln>
+        </p:spPr>
+        <p:style>
+          <a:lnRef idx="2">
+            <a:schemeClr val="accent1">
+              <a:shade val="50000"/>
+            </a:schemeClr>
+          </a:lnRef>
+          <a:fillRef idx="1">
+            <a:schemeClr val="accent1"/>
+          </a:fillRef>
+          <a:effectRef idx="0">
+            <a:schemeClr val="accent1"/>
+          </a:effectRef>
+          <a:fontRef idx="minor">
+            <a:schemeClr val="lt1"/>
+          </a:fontRef>
+        </p:style>
+        <p:txBody>
+          <a:bodyPr rtlCol="0" anchor="ctr"/>
+          <a:lstStyle/>
+          <a:p>
+            <a:pPr algn="ctr"/>
+            <a:endParaRPr lang="en-US"/>
+          </a:p>
+        </p:txBody>
+      </p:sp>
+      <p:sp>
+        <p:nvSpPr>
+          <p:cNvPr id="18" name="Rectangle 17">
+            <a:extLst>
+              <a:ext uri="{FF2B5EF4-FFF2-40B4-BE49-F238E27FC236}">
+                <a16:creationId xmlns:a16="http://schemas.microsoft.com/office/drawing/2014/main" id="{646B67A4-D328-4747-A82B-65E84FA46368}"/>
+              </a:ext>
+              <a:ext uri="{C183D7F6-B498-43B3-948B-1728B52AA6E4}">
+                <adec:decorative xmlns:adec="http://schemas.microsoft.com/office/drawing/2017/decorative" val="1"/>
+              </a:ext>
+            </a:extLst>
+          </p:cNvPr>
+          <p:cNvSpPr>
+            <a:spLocks noGrp="1" noRot="1" noChangeAspect="1" noMove="1" noResize="1" noEditPoints="1" noAdjustHandles="1" noChangeArrowheads="1" noChangeShapeType="1" noTextEdit="1"/>
+          </p:cNvSpPr>
+          <p:nvPr>
+            <p:extLst>
+              <p:ext uri="{386F3935-93C4-4BCD-93E2-E3B085C9AB24}">
+                <p16:designElem xmlns:p16="http://schemas.microsoft.com/office/powerpoint/2015/main" val="1"/>
+              </p:ext>
+            </p:extLst>
+          </p:nvPr>
+        </p:nvSpPr>
+        <p:spPr>
+          <a:xfrm rot="5400000" flipH="1">
+            <a:off x="4484334" y="-861824"/>
+            <a:ext cx="6861931" cy="8597859"/>
+          </a:xfrm>
+          <a:prstGeom prst="rect">
+            <a:avLst/>
+          </a:prstGeom>
+          <a:gradFill>
+            <a:gsLst>
+              <a:gs pos="3000">
+                <a:schemeClr val="accent1">
+                  <a:lumMod val="75000"/>
+                  <a:alpha val="0"/>
+                </a:schemeClr>
+              </a:gs>
+              <a:gs pos="100000">
+                <a:srgbClr val="000000">
+                  <a:alpha val="27000"/>
+                </a:srgbClr>
+              </a:gs>
+            </a:gsLst>
+            <a:lin ang="13800000" scaled="0"/>
+          </a:gradFill>
+          <a:ln>
+            <a:noFill/>
+          </a:ln>
+        </p:spPr>
+        <p:style>
+          <a:lnRef idx="2">
+            <a:schemeClr val="accent1">
+              <a:shade val="50000"/>
+            </a:schemeClr>
+          </a:lnRef>
+          <a:fillRef idx="1">
+            <a:schemeClr val="accent1"/>
+          </a:fillRef>
+          <a:effectRef idx="0">
+            <a:schemeClr val="accent1"/>
+          </a:effectRef>
+          <a:fontRef idx="minor">
+            <a:schemeClr val="lt1"/>
+          </a:fontRef>
+        </p:style>
+        <p:txBody>
+          <a:bodyPr rtlCol="0" anchor="ctr"/>
+          <a:lstStyle/>
+          <a:p>
+            <a:pPr algn="ctr"/>
+            <a:endParaRPr lang="en-US"/>
+          </a:p>
+        </p:txBody>
+      </p:sp>
+      <p:sp>
+        <p:nvSpPr>
+          <p:cNvPr id="20" name="Oval 19">
+            <a:extLst>
+              <a:ext uri="{FF2B5EF4-FFF2-40B4-BE49-F238E27FC236}">
+                <a16:creationId xmlns:a16="http://schemas.microsoft.com/office/drawing/2014/main" id="{B5A1B09C-1565-46F8-B70F-621C5EB48A09}"/>
+              </a:ext>
+              <a:ext uri="{C183D7F6-B498-43B3-948B-1728B52AA6E4}">
+                <adec:decorative xmlns:adec="http://schemas.microsoft.com/office/drawing/2017/decorative" val="1"/>
+              </a:ext>
+            </a:extLst>
+          </p:cNvPr>
+          <p:cNvSpPr>
+            <a:spLocks noGrp="1" noRot="1" noChangeAspect="1" noMove="1" noResize="1" noEditPoints="1" noAdjustHandles="1" noChangeArrowheads="1" noChangeShapeType="1" noTextEdit="1"/>
+          </p:cNvSpPr>
+          <p:nvPr>
+            <p:extLst>
+              <p:ext uri="{386F3935-93C4-4BCD-93E2-E3B085C9AB24}">
+                <p16:designElem xmlns:p16="http://schemas.microsoft.com/office/powerpoint/2015/main" val="1"/>
+              </p:ext>
+            </p:extLst>
+          </p:nvPr>
+        </p:nvSpPr>
+        <p:spPr>
+          <a:xfrm rot="5993193">
+            <a:off x="1186972" y="1089049"/>
+            <a:ext cx="4967533" cy="4988390"/>
+          </a:xfrm>
+          <a:prstGeom prst="ellipse">
+            <a:avLst/>
+          </a:prstGeom>
+          <a:gradFill>
+            <a:gsLst>
+              <a:gs pos="0">
+                <a:schemeClr val="accent1">
+                  <a:alpha val="26000"/>
+                </a:schemeClr>
+              </a:gs>
+              <a:gs pos="85000">
+                <a:schemeClr val="accent1">
+                  <a:lumMod val="60000"/>
+                  <a:lumOff val="40000"/>
+                  <a:alpha val="0"/>
+                </a:schemeClr>
+              </a:gs>
+            </a:gsLst>
+            <a:lin ang="14400000" scaled="0"/>
+          </a:gradFill>
+          <a:ln>
+            <a:noFill/>
+          </a:ln>
+        </p:spPr>
+        <p:style>
+          <a:lnRef idx="2">
+            <a:schemeClr val="accent1">
+              <a:shade val="50000"/>
+            </a:schemeClr>
+          </a:lnRef>
+          <a:fillRef idx="1">
+            <a:schemeClr val="accent1"/>
+          </a:fillRef>
+          <a:effectRef idx="0">
+            <a:schemeClr val="accent1"/>
+          </a:effectRef>
+          <a:fontRef idx="minor">
+            <a:schemeClr val="lt1"/>
+          </a:fontRef>
+        </p:style>
+        <p:txBody>
+          <a:bodyPr rtlCol="0" anchor="ctr"/>
+          <a:lstStyle/>
+          <a:p>
+            <a:pPr algn="ctr"/>
+            <a:endParaRPr lang="en-US" dirty="0"/>
+          </a:p>
+        </p:txBody>
+      </p:sp>
+      <p:sp>
+        <p:nvSpPr>
+          <p:cNvPr id="2" name="Nadpis 1">
+            <a:extLst>
+              <a:ext uri="{FF2B5EF4-FFF2-40B4-BE49-F238E27FC236}">
+                <a16:creationId xmlns:a16="http://schemas.microsoft.com/office/drawing/2014/main" id="{EDA1E92A-24B0-E878-7D88-79CA34B5F267}"/>
+              </a:ext>
+            </a:extLst>
+          </p:cNvPr>
+          <p:cNvSpPr>
+            <a:spLocks noGrp="1"/>
+          </p:cNvSpPr>
+          <p:nvPr>
+            <p:ph type="title"/>
+          </p:nvPr>
+        </p:nvSpPr>
+        <p:spPr>
+          <a:xfrm>
+            <a:off x="4162567" y="818984"/>
+            <a:ext cx="6714699" cy="3178689"/>
+          </a:xfrm>
+        </p:spPr>
+        <p:txBody>
+          <a:bodyPr vert="horz" lIns="91440" tIns="45720" rIns="91440" bIns="45720" rtlCol="0" anchor="b">
+            <a:normAutofit/>
+          </a:bodyPr>
+          <a:lstStyle/>
+          <a:p>
+            <a:r>
+              <a:rPr lang="en-US" sz="4800" kern="1200" dirty="0" err="1">
+                <a:solidFill>
+                  <a:srgbClr val="FFFFFF"/>
+                </a:solidFill>
+                <a:latin typeface="+mj-lt"/>
+                <a:ea typeface="+mj-ea"/>
+                <a:cs typeface="+mj-cs"/>
+              </a:rPr>
+              <a:t>Děkujeme</a:t>
+            </a:r>
+            <a:r>
+              <a:rPr lang="en-US" sz="4800" kern="1200" dirty="0">
+                <a:solidFill>
+                  <a:srgbClr val="FFFFFF"/>
+                </a:solidFill>
+                <a:latin typeface="+mj-lt"/>
+                <a:ea typeface="+mj-ea"/>
+                <a:cs typeface="+mj-cs"/>
+              </a:rPr>
+              <a:t> za </a:t>
+            </a:r>
+            <a:r>
+              <a:rPr lang="en-US" sz="4800" kern="1200" dirty="0" err="1">
+                <a:solidFill>
+                  <a:srgbClr val="FFFFFF"/>
+                </a:solidFill>
+                <a:latin typeface="+mj-lt"/>
+                <a:ea typeface="+mj-ea"/>
+                <a:cs typeface="+mj-cs"/>
+              </a:rPr>
+              <a:t>pozornost</a:t>
+            </a:r>
+            <a:endParaRPr lang="en-US" sz="4800" kern="1200" dirty="0">
+              <a:solidFill>
+                <a:srgbClr val="FFFFFF"/>
+              </a:solidFill>
+              <a:latin typeface="+mj-lt"/>
+              <a:ea typeface="+mj-ea"/>
+              <a:cs typeface="+mj-cs"/>
+            </a:endParaRPr>
+          </a:p>
+        </p:txBody>
+      </p:sp>
+      <p:sp>
+        <p:nvSpPr>
+          <p:cNvPr id="22" name="Rectangle 21">
+            <a:extLst>
+              <a:ext uri="{FF2B5EF4-FFF2-40B4-BE49-F238E27FC236}">
+                <a16:creationId xmlns:a16="http://schemas.microsoft.com/office/drawing/2014/main" id="{8C516CC8-80AC-446C-A56E-9F54B7210402}"/>
+              </a:ext>
+              <a:ext uri="{C183D7F6-B498-43B3-948B-1728B52AA6E4}">
+                <adec:decorative xmlns:adec="http://schemas.microsoft.com/office/drawing/2017/decorative" val="1"/>
+              </a:ext>
+            </a:extLst>
+          </p:cNvPr>
+          <p:cNvSpPr>
+            <a:spLocks noGrp="1" noRot="1" noChangeAspect="1" noMove="1" noResize="1" noEditPoints="1" noAdjustHandles="1" noChangeArrowheads="1" noChangeShapeType="1" noTextEdit="1"/>
+          </p:cNvSpPr>
+          <p:nvPr>
+            <p:extLst>
+              <p:ext uri="{386F3935-93C4-4BCD-93E2-E3B085C9AB24}">
+                <p16:designElem xmlns:p16="http://schemas.microsoft.com/office/powerpoint/2015/main" val="1"/>
+              </p:ext>
+            </p:extLst>
+          </p:nvPr>
+        </p:nvSpPr>
+        <p:spPr>
+          <a:xfrm flipH="1">
+            <a:off x="-3" y="4490110"/>
+            <a:ext cx="12217710" cy="2377962"/>
+          </a:xfrm>
+          <a:prstGeom prst="rect">
+            <a:avLst/>
+          </a:prstGeom>
+          <a:gradFill>
+            <a:gsLst>
+              <a:gs pos="0">
+                <a:schemeClr val="accent1">
+                  <a:lumMod val="75000"/>
+                  <a:alpha val="50000"/>
+                </a:schemeClr>
+              </a:gs>
+              <a:gs pos="99000">
+                <a:srgbClr val="000000">
+                  <a:alpha val="34000"/>
+                </a:srgbClr>
+              </a:gs>
+            </a:gsLst>
+            <a:lin ang="13200000" scaled="0"/>
+          </a:gradFill>
+          <a:ln>
+            <a:noFill/>
+          </a:ln>
+        </p:spPr>
+        <p:style>
+          <a:lnRef idx="2">
+            <a:schemeClr val="accent1">
+              <a:shade val="50000"/>
+            </a:schemeClr>
+          </a:lnRef>
+          <a:fillRef idx="1">
+            <a:schemeClr val="accent1"/>
+          </a:fillRef>
+          <a:effectRef idx="0">
+            <a:schemeClr val="accent1"/>
+          </a:effectRef>
+          <a:fontRef idx="minor">
+            <a:schemeClr val="lt1"/>
+          </a:fontRef>
+        </p:style>
+        <p:txBody>
+          <a:bodyPr rtlCol="0" anchor="ctr"/>
+          <a:lstStyle/>
+          <a:p>
+            <a:pPr algn="ctr"/>
+            <a:endParaRPr lang="en-US"/>
+          </a:p>
+        </p:txBody>
+      </p:sp>
+    </p:spTree>
+    <p:extLst>
+      <p:ext uri="{BB962C8B-B14F-4D97-AF65-F5344CB8AC3E}">
+        <p14:creationId xmlns:p14="http://schemas.microsoft.com/office/powerpoint/2010/main" val="1917967123"/>
+      </p:ext>
+    </p:extLst>
+  </p:cSld>
+  <p:clrMapOvr>
+    <a:masterClrMapping/>
+  </p:clrMapOvr>
+</p:sld>
+</file>
+
 <file path=ppt/theme/theme1.xml><?xml version="1.0" encoding="utf-8"?>
 <a:theme xmlns:a="http://schemas.openxmlformats.org/drawingml/2006/main" name="Office Theme">
   <a:themeElements>

--- a/Digitální šatník.pptx
+++ b/Digitální šatník.pptx
@@ -3153,7 +3153,7 @@
 <dgm:dataModel xmlns:dgm="http://schemas.openxmlformats.org/drawingml/2006/diagram" xmlns:a="http://schemas.openxmlformats.org/drawingml/2006/main">
   <dgm:ptLst>
     <dgm:pt modelId="{20E138B1-AD4A-49B7-A8D1-9E88780BEAB9}" type="doc">
-      <dgm:prSet loTypeId="urn:microsoft.com/office/officeart/2005/8/layout/vList2" loCatId="list" qsTypeId="urn:microsoft.com/office/officeart/2005/8/quickstyle/simple1" qsCatId="simple" csTypeId="urn:microsoft.com/office/officeart/2005/8/colors/colorful5" csCatId="colorful"/>
+      <dgm:prSet loTypeId="urn:microsoft.com/office/officeart/2005/8/layout/vList2" loCatId="list" qsTypeId="urn:microsoft.com/office/officeart/2005/8/quickstyle/simple1" qsCatId="simple" csTypeId="urn:microsoft.com/office/officeart/2005/8/colors/colorful5" csCatId="colorful" phldr="1"/>
       <dgm:spPr/>
       <dgm:t>
         <a:bodyPr/>
@@ -3208,14 +3208,34 @@
         <a:lstStyle/>
         <a:p>
           <a:r>
-            <a:rPr lang="en-GB"/>
-            <a:t>A jak se hodláme udržet ve hře</a:t>
+            <a:rPr lang="en-GB" dirty="0"/>
+            <a:t>Jak </a:t>
           </a:r>
-          <a:endParaRPr lang="en-US"/>
+          <a:r>
+            <a:rPr lang="en-GB" dirty="0" err="1"/>
+            <a:t>si</a:t>
+          </a:r>
+          <a:r>
+            <a:rPr lang="en-GB" dirty="0"/>
+            <a:t> </a:t>
+          </a:r>
+          <a:r>
+            <a:rPr lang="en-GB" dirty="0" err="1"/>
+            <a:t>hodláme</a:t>
+          </a:r>
+          <a:r>
+            <a:rPr lang="en-GB" dirty="0"/>
+            <a:t> </a:t>
+          </a:r>
+          <a:r>
+            <a:rPr lang="en-GB" dirty="0" err="1"/>
+            <a:t>vydělávat</a:t>
+          </a:r>
+          <a:endParaRPr lang="en-US" dirty="0"/>
         </a:p>
       </dgm:t>
     </dgm:pt>
-    <dgm:pt modelId="{6F296AAD-9FA6-43F5-B856-96E001D4DE79}" type="parTrans" cxnId="{D7D97091-DF79-4603-ACE5-C70A55B671AC}">
+    <dgm:pt modelId="{A85F065C-C8CD-447A-8353-66E534EA872E}" type="sibTrans" cxnId="{D7D97091-DF79-4603-ACE5-C70A55B671AC}">
       <dgm:prSet/>
       <dgm:spPr/>
       <dgm:t>
@@ -3226,7 +3246,7 @@
         </a:p>
       </dgm:t>
     </dgm:pt>
-    <dgm:pt modelId="{A85F065C-C8CD-447A-8353-66E534EA872E}" type="sibTrans" cxnId="{D7D97091-DF79-4603-ACE5-C70A55B671AC}">
+    <dgm:pt modelId="{6F296AAD-9FA6-43F5-B856-96E001D4DE79}" type="parTrans" cxnId="{D7D97091-DF79-4603-ACE5-C70A55B671AC}">
       <dgm:prSet/>
       <dgm:spPr/>
       <dgm:t>
@@ -4208,8 +4228,8 @@
       </dsp:nvSpPr>
       <dsp:spPr>
         <a:xfrm>
-          <a:off x="0" y="220583"/>
-          <a:ext cx="4895786" cy="1949220"/>
+          <a:off x="0" y="14483"/>
+          <a:ext cx="4895786" cy="2148120"/>
         </a:xfrm>
         <a:prstGeom prst="roundRect">
           <a:avLst/>
@@ -4251,12 +4271,12 @@
         </a:fontRef>
       </dsp:style>
       <dsp:txBody>
-        <a:bodyPr spcFirstLastPara="0" vert="horz" wrap="square" lIns="186690" tIns="186690" rIns="186690" bIns="186690" numCol="1" spcCol="1270" anchor="ctr" anchorCtr="0">
+        <a:bodyPr spcFirstLastPara="0" vert="horz" wrap="square" lIns="205740" tIns="205740" rIns="205740" bIns="205740" numCol="1" spcCol="1270" anchor="ctr" anchorCtr="0">
           <a:noAutofit/>
         </a:bodyPr>
         <a:lstStyle/>
         <a:p>
-          <a:pPr marL="0" lvl="0" indent="0" algn="l" defTabSz="2178050">
+          <a:pPr marL="0" lvl="0" indent="0" algn="l" defTabSz="2400300">
             <a:lnSpc>
               <a:spcPct val="90000"/>
             </a:lnSpc>
@@ -4269,15 +4289,15 @@
             <a:buNone/>
           </a:pPr>
           <a:r>
-            <a:rPr lang="en-GB" sz="4900" kern="1200"/>
+            <a:rPr lang="en-GB" sz="5400" kern="1200"/>
             <a:t>Jaké problémy řešíme</a:t>
           </a:r>
-          <a:endParaRPr lang="en-US" sz="4900" kern="1200"/>
+          <a:endParaRPr lang="en-US" sz="5400" kern="1200"/>
         </a:p>
       </dsp:txBody>
       <dsp:txXfrm>
-        <a:off x="95153" y="315736"/>
-        <a:ext cx="4705480" cy="1758914"/>
+        <a:off x="104863" y="119346"/>
+        <a:ext cx="4686060" cy="1938394"/>
       </dsp:txXfrm>
     </dsp:sp>
     <dsp:sp modelId="{361DAEC8-153C-8E45-B17E-67303B07E18C}">
@@ -4287,8 +4307,8 @@
       </dsp:nvSpPr>
       <dsp:spPr>
         <a:xfrm>
-          <a:off x="0" y="2310922"/>
-          <a:ext cx="4895786" cy="1949220"/>
+          <a:off x="0" y="2318123"/>
+          <a:ext cx="4895786" cy="2148120"/>
         </a:xfrm>
         <a:prstGeom prst="roundRect">
           <a:avLst/>
@@ -4330,12 +4350,12 @@
         </a:fontRef>
       </dsp:style>
       <dsp:txBody>
-        <a:bodyPr spcFirstLastPara="0" vert="horz" wrap="square" lIns="186690" tIns="186690" rIns="186690" bIns="186690" numCol="1" spcCol="1270" anchor="ctr" anchorCtr="0">
+        <a:bodyPr spcFirstLastPara="0" vert="horz" wrap="square" lIns="205740" tIns="205740" rIns="205740" bIns="205740" numCol="1" spcCol="1270" anchor="ctr" anchorCtr="0">
           <a:noAutofit/>
         </a:bodyPr>
         <a:lstStyle/>
         <a:p>
-          <a:pPr marL="0" lvl="0" indent="0" algn="l" defTabSz="2178050">
+          <a:pPr marL="0" lvl="0" indent="0" algn="l" defTabSz="2400300">
             <a:lnSpc>
               <a:spcPct val="90000"/>
             </a:lnSpc>
@@ -4348,15 +4368,35 @@
             <a:buNone/>
           </a:pPr>
           <a:r>
-            <a:rPr lang="en-GB" sz="4900" kern="1200"/>
-            <a:t>A jak se hodláme udržet ve hře</a:t>
+            <a:rPr lang="en-GB" sz="5400" kern="1200" dirty="0"/>
+            <a:t>Jak </a:t>
           </a:r>
-          <a:endParaRPr lang="en-US" sz="4900" kern="1200"/>
+          <a:r>
+            <a:rPr lang="en-GB" sz="5400" kern="1200" dirty="0" err="1"/>
+            <a:t>si</a:t>
+          </a:r>
+          <a:r>
+            <a:rPr lang="en-GB" sz="5400" kern="1200" dirty="0"/>
+            <a:t> </a:t>
+          </a:r>
+          <a:r>
+            <a:rPr lang="en-GB" sz="5400" kern="1200" dirty="0" err="1"/>
+            <a:t>hodláme</a:t>
+          </a:r>
+          <a:r>
+            <a:rPr lang="en-GB" sz="5400" kern="1200" dirty="0"/>
+            <a:t> </a:t>
+          </a:r>
+          <a:r>
+            <a:rPr lang="en-GB" sz="5400" kern="1200" dirty="0" err="1"/>
+            <a:t>vydělávat</a:t>
+          </a:r>
+          <a:endParaRPr lang="en-US" sz="5400" kern="1200" dirty="0"/>
         </a:p>
       </dsp:txBody>
       <dsp:txXfrm>
-        <a:off x="95153" y="2406075"/>
-        <a:ext cx="4705480" cy="1758914"/>
+        <a:off x="104863" y="2422986"/>
+        <a:ext cx="4686060" cy="1938394"/>
       </dsp:txXfrm>
     </dsp:sp>
   </dsp:spTree>
@@ -11141,9 +11181,11 @@
               <a:rPr lang="en-GB" dirty="0"/>
               <a:t>. </a:t>
             </a:r>
+          </a:p>
+          <a:p>
             <a:r>
               <a:rPr lang="en-GB" dirty="0" err="1"/>
-              <a:t>Tento</a:t>
+              <a:t>Tímto</a:t>
             </a:r>
             <a:r>
               <a:rPr lang="en-GB" dirty="0"/>
@@ -11151,15 +11193,23 @@
             </a:r>
             <a:r>
               <a:rPr lang="en-GB" dirty="0" err="1"/>
-              <a:t>projekt</a:t>
+              <a:t>projektem</a:t>
             </a:r>
             <a:r>
               <a:rPr lang="en-GB" dirty="0"/>
-              <a:t> by </a:t>
+              <a:t> se </a:t>
             </a:r>
             <a:r>
               <a:rPr lang="en-GB" dirty="0" err="1"/>
-              <a:t>však</a:t>
+              <a:t>snažíme</a:t>
+            </a:r>
+            <a:r>
+              <a:rPr lang="en-GB" dirty="0"/>
+              <a:t>  </a:t>
+            </a:r>
+            <a:r>
+              <a:rPr lang="en-GB" dirty="0" err="1"/>
+              <a:t>vyřešit</a:t>
             </a:r>
             <a:r>
               <a:rPr lang="en-GB" dirty="0"/>
@@ -11167,7 +11217,7 @@
             </a:r>
             <a:r>
               <a:rPr lang="en-GB" dirty="0" err="1"/>
-              <a:t>mohl</a:t>
+              <a:t>tento</a:t>
             </a:r>
             <a:r>
               <a:rPr lang="en-GB" dirty="0"/>
@@ -11175,15 +11225,7 @@
             </a:r>
             <a:r>
               <a:rPr lang="en-GB" dirty="0" err="1"/>
-              <a:t>pomoci</a:t>
-            </a:r>
-            <a:r>
-              <a:rPr lang="en-GB" dirty="0"/>
-              <a:t> s </a:t>
-            </a:r>
-            <a:r>
-              <a:rPr lang="en-GB" dirty="0" err="1"/>
-              <a:t>tímto</a:t>
+              <a:t>palčivý</a:t>
             </a:r>
             <a:r>
               <a:rPr lang="en-GB" dirty="0"/>
@@ -11191,7 +11233,15 @@
             </a:r>
             <a:r>
               <a:rPr lang="en-GB" dirty="0" err="1"/>
-              <a:t>palčivým</a:t>
+              <a:t>problémem</a:t>
+            </a:r>
+            <a:r>
+              <a:rPr lang="en-GB" dirty="0"/>
+              <a:t>, jak pro ty z </a:t>
+            </a:r>
+            <a:r>
+              <a:rPr lang="en-GB" dirty="0" err="1"/>
+              <a:t>nás</a:t>
             </a:r>
             <a:r>
               <a:rPr lang="en-GB" dirty="0"/>
@@ -11199,15 +11249,7 @@
             </a:r>
             <a:r>
               <a:rPr lang="en-GB" dirty="0" err="1"/>
-              <a:t>problémem</a:t>
-            </a:r>
-            <a:r>
-              <a:rPr lang="en-GB" dirty="0"/>
-              <a:t>, jak </a:t>
-            </a:r>
-            <a:r>
-              <a:rPr lang="en-GB" dirty="0" err="1"/>
-              <a:t>naším</a:t>
+              <a:t>kteří</a:t>
             </a:r>
             <a:r>
               <a:rPr lang="en-GB" dirty="0"/>
@@ -11215,7 +11257,63 @@
             </a:r>
             <a:r>
               <a:rPr lang="en-GB" dirty="0" err="1"/>
-              <a:t>zákazíkům</a:t>
+              <a:t>mají</a:t>
+            </a:r>
+            <a:r>
+              <a:rPr lang="en-GB" dirty="0"/>
+              <a:t> </a:t>
+            </a:r>
+            <a:r>
+              <a:rPr lang="en-GB" dirty="0" err="1"/>
+              <a:t>špatně</a:t>
+            </a:r>
+            <a:r>
+              <a:rPr lang="en-GB" dirty="0"/>
+              <a:t> </a:t>
+            </a:r>
+            <a:r>
+              <a:rPr lang="en-GB" dirty="0" err="1"/>
+              <a:t>organizovaný</a:t>
+            </a:r>
+            <a:r>
+              <a:rPr lang="en-GB" dirty="0"/>
+              <a:t> </a:t>
+            </a:r>
+            <a:r>
+              <a:rPr lang="en-GB" dirty="0" err="1"/>
+              <a:t>šatník</a:t>
+            </a:r>
+            <a:r>
+              <a:rPr lang="en-GB" dirty="0"/>
+              <a:t> </a:t>
+            </a:r>
+            <a:r>
+              <a:rPr lang="en-GB" dirty="0" err="1"/>
+              <a:t>tak</a:t>
+            </a:r>
+            <a:r>
+              <a:rPr lang="en-GB" dirty="0"/>
+              <a:t> pro ty </a:t>
+            </a:r>
+            <a:r>
+              <a:rPr lang="en-GB" dirty="0" err="1"/>
+              <a:t>kteří</a:t>
+            </a:r>
+            <a:r>
+              <a:rPr lang="en-GB" dirty="0"/>
+              <a:t> </a:t>
+            </a:r>
+            <a:r>
+              <a:rPr lang="en-GB" dirty="0" err="1"/>
+              <a:t>touží</a:t>
+            </a:r>
+            <a:r>
+              <a:rPr lang="en-GB" dirty="0"/>
+              <a:t> po </a:t>
+            </a:r>
+            <a:r>
+              <a:rPr lang="en-GB" dirty="0" err="1"/>
+              <a:t>jednodušším</a:t>
             </a:r>
             <a:r>
               <a:rPr lang="en-GB" dirty="0"/>
@@ -11223,7 +11321,7 @@
             </a:r>
             <a:r>
               <a:rPr lang="en-GB" dirty="0" err="1"/>
-              <a:t>tak</a:t>
+              <a:t>digitálním</a:t>
             </a:r>
             <a:r>
               <a:rPr lang="en-GB" dirty="0"/>
@@ -11231,71 +11329,7 @@
             </a:r>
             <a:r>
               <a:rPr lang="en-GB" dirty="0" err="1"/>
-              <a:t>nám</a:t>
-            </a:r>
-            <a:r>
-              <a:rPr lang="en-GB" dirty="0"/>
-              <a:t> a </a:t>
-            </a:r>
-            <a:r>
-              <a:rPr lang="en-GB" dirty="0" err="1"/>
-              <a:t>tudíž</a:t>
-            </a:r>
-            <a:r>
-              <a:rPr lang="en-GB" dirty="0"/>
-              <a:t> by </a:t>
-            </a:r>
-            <a:r>
-              <a:rPr lang="en-GB" dirty="0" err="1"/>
-              <a:t>zbývalo</a:t>
-            </a:r>
-            <a:r>
-              <a:rPr lang="en-GB" dirty="0"/>
-              <a:t> vice </a:t>
-            </a:r>
-            <a:r>
-              <a:rPr lang="en-GB" dirty="0" err="1"/>
-              <a:t>času</a:t>
-            </a:r>
-            <a:r>
-              <a:rPr lang="en-GB" dirty="0"/>
-              <a:t> </a:t>
-            </a:r>
-            <a:r>
-              <a:rPr lang="en-GB" dirty="0" err="1"/>
-              <a:t>na</a:t>
-            </a:r>
-            <a:r>
-              <a:rPr lang="en-GB" dirty="0"/>
-              <a:t> </a:t>
-            </a:r>
-            <a:r>
-              <a:rPr lang="en-GB" dirty="0" err="1"/>
-              <a:t>věci</a:t>
-            </a:r>
-            <a:r>
-              <a:rPr lang="en-GB" dirty="0"/>
-              <a:t> </a:t>
-            </a:r>
-            <a:r>
-              <a:rPr lang="en-GB" dirty="0" err="1"/>
-              <a:t>na</a:t>
-            </a:r>
-            <a:r>
-              <a:rPr lang="en-GB" dirty="0"/>
-              <a:t> </a:t>
-            </a:r>
-            <a:r>
-              <a:rPr lang="en-GB" dirty="0" err="1"/>
-              <a:t>kterých</a:t>
-            </a:r>
-            <a:r>
-              <a:rPr lang="en-GB" dirty="0"/>
-              <a:t> </a:t>
-            </a:r>
-            <a:r>
-              <a:rPr lang="en-GB" dirty="0" err="1"/>
-              <a:t>záleží</a:t>
+              <a:t>řešení</a:t>
             </a:r>
             <a:r>
               <a:rPr lang="en-GB" dirty="0"/>
@@ -11308,7 +11342,7 @@
           <a:p>
             <a:r>
               <a:rPr lang="en-GB" dirty="0" err="1"/>
-              <a:t>Hodláme</a:t>
+              <a:t>Aplikace</a:t>
             </a:r>
             <a:r>
               <a:rPr lang="en-GB" dirty="0"/>
@@ -11316,7 +11350,7 @@
             </a:r>
             <a:r>
               <a:rPr lang="en-GB" dirty="0" err="1"/>
-              <a:t>našeho</a:t>
+              <a:t>bude</a:t>
             </a:r>
             <a:r>
               <a:rPr lang="en-GB" dirty="0"/>
@@ -11324,7 +11358,23 @@
             </a:r>
             <a:r>
               <a:rPr lang="en-GB" dirty="0" err="1"/>
-              <a:t>cíle</a:t>
+              <a:t>poskitována</a:t>
+            </a:r>
+            <a:r>
+              <a:rPr lang="en-GB" dirty="0"/>
+              <a:t> v freemium </a:t>
+            </a:r>
+            <a:r>
+              <a:rPr lang="en-GB" dirty="0" err="1"/>
+              <a:t>modelu</a:t>
+            </a:r>
+            <a:r>
+              <a:rPr lang="en-GB" dirty="0"/>
+              <a:t>, </a:t>
+            </a:r>
+            <a:r>
+              <a:rPr lang="en-GB" dirty="0" err="1"/>
+              <a:t>aplikace</a:t>
             </a:r>
             <a:r>
               <a:rPr lang="en-GB" dirty="0"/>
@@ -11332,7 +11382,7 @@
             </a:r>
             <a:r>
               <a:rPr lang="en-GB" dirty="0" err="1"/>
-              <a:t>docílit</a:t>
+              <a:t>bude</a:t>
             </a:r>
             <a:r>
               <a:rPr lang="en-GB" dirty="0"/>
@@ -11340,7 +11390,15 @@
             </a:r>
             <a:r>
               <a:rPr lang="en-GB" dirty="0" err="1"/>
-              <a:t>použitím</a:t>
+              <a:t>zdarma</a:t>
+            </a:r>
+            <a:r>
+              <a:rPr lang="en-GB" dirty="0"/>
+              <a:t>, pro </a:t>
+            </a:r>
+            <a:r>
+              <a:rPr lang="en-GB" dirty="0" err="1"/>
+              <a:t>využívání</a:t>
             </a:r>
             <a:r>
               <a:rPr lang="en-GB" dirty="0"/>
@@ -11348,15 +11406,15 @@
             </a:r>
             <a:r>
               <a:rPr lang="en-GB" dirty="0" err="1"/>
-              <a:t>pomocí</a:t>
+              <a:t>asistenta</a:t>
             </a:r>
             <a:r>
               <a:rPr lang="en-GB" dirty="0"/>
-              <a:t> jak </a:t>
+              <a:t> a </a:t>
             </a:r>
             <a:r>
               <a:rPr lang="en-GB" dirty="0" err="1"/>
-              <a:t>mobilní</a:t>
+              <a:t>možnosti</a:t>
             </a:r>
             <a:r>
               <a:rPr lang="en-GB" dirty="0"/>
@@ -11364,7 +11422,127 @@
             </a:r>
             <a:r>
               <a:rPr lang="en-GB" dirty="0" err="1"/>
-              <a:t>aplikace</a:t>
+              <a:t>vytváření</a:t>
+            </a:r>
+            <a:r>
+              <a:rPr lang="en-GB" dirty="0"/>
+              <a:t> </a:t>
+            </a:r>
+            <a:r>
+              <a:rPr lang="en-GB" dirty="0" err="1"/>
+              <a:t>outfitů</a:t>
+            </a:r>
+            <a:r>
+              <a:rPr lang="en-GB" dirty="0"/>
+              <a:t>, </a:t>
+            </a:r>
+            <a:r>
+              <a:rPr lang="en-GB" dirty="0" err="1"/>
+              <a:t>bude</a:t>
+            </a:r>
+            <a:r>
+              <a:rPr lang="en-GB" dirty="0"/>
+              <a:t> </a:t>
+            </a:r>
+            <a:r>
+              <a:rPr lang="en-GB" dirty="0" err="1"/>
+              <a:t>muset</a:t>
+            </a:r>
+            <a:r>
+              <a:rPr lang="en-GB" dirty="0"/>
+              <a:t> </a:t>
+            </a:r>
+            <a:r>
+              <a:rPr lang="en-GB" dirty="0" err="1"/>
+              <a:t>uživatel</a:t>
+            </a:r>
+            <a:r>
+              <a:rPr lang="en-GB" dirty="0"/>
+              <a:t> </a:t>
+            </a:r>
+            <a:r>
+              <a:rPr lang="en-GB" dirty="0" err="1"/>
+              <a:t>platit</a:t>
+            </a:r>
+            <a:r>
+              <a:rPr lang="en-GB" dirty="0"/>
+              <a:t> </a:t>
+            </a:r>
+            <a:r>
+              <a:rPr lang="en-GB" dirty="0" err="1"/>
+              <a:t>měsíční</a:t>
+            </a:r>
+            <a:r>
+              <a:rPr lang="en-GB" dirty="0"/>
+              <a:t> </a:t>
+            </a:r>
+            <a:r>
+              <a:rPr lang="en-GB" dirty="0" err="1"/>
+              <a:t>poplatek</a:t>
+            </a:r>
+            <a:r>
+              <a:rPr lang="en-GB" dirty="0"/>
+              <a:t>, a </a:t>
+            </a:r>
+            <a:r>
+              <a:rPr lang="en-GB" dirty="0" err="1"/>
+              <a:t>spolupráce</a:t>
+            </a:r>
+            <a:r>
+              <a:rPr lang="en-GB" dirty="0"/>
+              <a:t> s </a:t>
+            </a:r>
+            <a:r>
+              <a:rPr lang="en-GB" dirty="0" err="1"/>
+              <a:t>modními</a:t>
+            </a:r>
+            <a:r>
+              <a:rPr lang="en-GB" dirty="0"/>
+              <a:t> </a:t>
+            </a:r>
+            <a:r>
+              <a:rPr lang="en-GB" dirty="0" err="1"/>
+              <a:t>návrháři</a:t>
+            </a:r>
+            <a:r>
+              <a:rPr lang="en-GB" dirty="0"/>
+              <a:t> </a:t>
+            </a:r>
+            <a:r>
+              <a:rPr lang="en-GB" dirty="0" err="1"/>
+              <a:t>dopuročováním</a:t>
+            </a:r>
+            <a:r>
+              <a:rPr lang="en-GB" dirty="0"/>
+              <a:t> </a:t>
+            </a:r>
+            <a:r>
+              <a:rPr lang="en-GB" dirty="0" err="1"/>
+              <a:t>jejich</a:t>
+            </a:r>
+            <a:r>
+              <a:rPr lang="en-GB" dirty="0"/>
+              <a:t> </a:t>
+            </a:r>
+            <a:r>
+              <a:rPr lang="en-GB" dirty="0" err="1"/>
+              <a:t>produktů</a:t>
+            </a:r>
+            <a:r>
+              <a:rPr lang="en-GB" dirty="0"/>
+              <a:t> </a:t>
+            </a:r>
+            <a:r>
+              <a:rPr lang="en-GB" dirty="0" err="1"/>
+              <a:t>jako</a:t>
+            </a:r>
+            <a:r>
+              <a:rPr lang="en-GB" dirty="0"/>
+              <a:t> </a:t>
+            </a:r>
+            <a:r>
+              <a:rPr lang="en-GB" dirty="0" err="1"/>
+              <a:t>návrhy</a:t>
             </a:r>
             <a:r>
               <a:rPr lang="en-GB" dirty="0"/>
@@ -11372,159 +11550,15 @@
             </a:r>
             <a:r>
               <a:rPr lang="en-GB" dirty="0" err="1"/>
-              <a:t>systémy</a:t>
+              <a:t>přidání</a:t>
             </a:r>
             <a:r>
               <a:rPr lang="en-GB" dirty="0"/>
-              <a:t> Android a Apple iOS, </a:t>
+              <a:t> do </a:t>
             </a:r>
             <a:r>
               <a:rPr lang="en-GB" dirty="0" err="1"/>
-              <a:t>tak</a:t>
-            </a:r>
-            <a:r>
-              <a:rPr lang="en-GB" dirty="0"/>
-              <a:t> </a:t>
-            </a:r>
-            <a:r>
-              <a:rPr lang="en-GB" dirty="0" err="1"/>
-              <a:t>cloudového</a:t>
-            </a:r>
-            <a:r>
-              <a:rPr lang="en-GB" dirty="0"/>
-              <a:t> </a:t>
-            </a:r>
-            <a:r>
-              <a:rPr lang="en-GB" dirty="0" err="1"/>
-              <a:t>serveru</a:t>
-            </a:r>
-            <a:r>
-              <a:rPr lang="en-GB" dirty="0"/>
-              <a:t>, </a:t>
-            </a:r>
-            <a:r>
-              <a:rPr lang="en-GB" dirty="0" err="1"/>
-              <a:t>přes</a:t>
-            </a:r>
-            <a:r>
-              <a:rPr lang="en-GB" dirty="0"/>
-              <a:t> </a:t>
-            </a:r>
-            <a:r>
-              <a:rPr lang="en-GB" dirty="0" err="1"/>
-              <a:t>který</a:t>
-            </a:r>
-            <a:r>
-              <a:rPr lang="en-GB" dirty="0"/>
-              <a:t> </a:t>
-            </a:r>
-            <a:r>
-              <a:rPr lang="en-GB" dirty="0" err="1"/>
-              <a:t>poběží</a:t>
-            </a:r>
-            <a:r>
-              <a:rPr lang="en-GB" dirty="0"/>
-              <a:t> AI </a:t>
-            </a:r>
-            <a:r>
-              <a:rPr lang="en-GB" dirty="0" err="1"/>
-              <a:t>asistent</a:t>
-            </a:r>
-            <a:r>
-              <a:rPr lang="en-GB" dirty="0"/>
-              <a:t> </a:t>
-            </a:r>
-            <a:r>
-              <a:rPr lang="en-GB" dirty="0" err="1"/>
-              <a:t>založený</a:t>
-            </a:r>
-            <a:r>
-              <a:rPr lang="en-GB" dirty="0"/>
-              <a:t> </a:t>
-            </a:r>
-            <a:r>
-              <a:rPr lang="en-GB" dirty="0" err="1"/>
-              <a:t>na</a:t>
-            </a:r>
-            <a:r>
-              <a:rPr lang="en-GB" dirty="0"/>
-              <a:t> </a:t>
-            </a:r>
-            <a:r>
-              <a:rPr lang="en-GB" dirty="0" err="1"/>
-              <a:t>bázi</a:t>
-            </a:r>
-            <a:r>
-              <a:rPr lang="en-GB" dirty="0"/>
-              <a:t> Open AI, </a:t>
-            </a:r>
-            <a:r>
-              <a:rPr lang="en-GB" dirty="0" err="1"/>
-              <a:t>zprosdředkující</a:t>
-            </a:r>
-            <a:r>
-              <a:rPr lang="en-GB" dirty="0"/>
-              <a:t> </a:t>
-            </a:r>
-            <a:r>
-              <a:rPr lang="en-GB" dirty="0" err="1"/>
-              <a:t>doporučení</a:t>
-            </a:r>
-            <a:r>
-              <a:rPr lang="en-GB" dirty="0"/>
-              <a:t> outfit </a:t>
-            </a:r>
-            <a:r>
-              <a:rPr lang="en-GB" dirty="0" err="1"/>
-              <a:t>na</a:t>
-            </a:r>
-            <a:r>
-              <a:rPr lang="en-GB" dirty="0"/>
-              <a:t> </a:t>
-            </a:r>
-            <a:r>
-              <a:rPr lang="en-GB" dirty="0" err="1"/>
-              <a:t>základě</a:t>
-            </a:r>
-            <a:r>
-              <a:rPr lang="en-GB" dirty="0"/>
-              <a:t> </a:t>
-            </a:r>
-            <a:r>
-              <a:rPr lang="en-GB" dirty="0" err="1"/>
-              <a:t>obsahu</a:t>
-            </a:r>
-            <a:r>
-              <a:rPr lang="en-GB" dirty="0"/>
-              <a:t> </a:t>
-            </a:r>
-            <a:r>
-              <a:rPr lang="en-GB" dirty="0" err="1"/>
-              <a:t>šatníku</a:t>
-            </a:r>
-            <a:r>
-              <a:rPr lang="en-GB" dirty="0"/>
-              <a:t> </a:t>
-            </a:r>
-            <a:r>
-              <a:rPr lang="en-GB" dirty="0" err="1"/>
-              <a:t>uživatele</a:t>
-            </a:r>
-            <a:r>
-              <a:rPr lang="en-GB" dirty="0"/>
-              <a:t> a </a:t>
-            </a:r>
-            <a:r>
-              <a:rPr lang="en-GB" dirty="0" err="1"/>
-              <a:t>aktuálního</a:t>
-            </a:r>
-            <a:r>
-              <a:rPr lang="en-GB" dirty="0"/>
-              <a:t> </a:t>
-            </a:r>
-            <a:r>
-              <a:rPr lang="en-GB" dirty="0" err="1"/>
-              <a:t>počasí</a:t>
+              <a:t>kolekce</a:t>
             </a:r>
             <a:r>
               <a:rPr lang="en-GB" dirty="0"/>
@@ -11533,243 +11567,6 @@
           </a:p>
           <a:p>
             <a:endParaRPr lang="en-GB" dirty="0"/>
-          </a:p>
-          <a:p>
-            <a:r>
-              <a:rPr lang="en-GB" dirty="0" err="1"/>
-              <a:t>Aplikace</a:t>
-            </a:r>
-            <a:r>
-              <a:rPr lang="en-GB" dirty="0"/>
-              <a:t> </a:t>
-            </a:r>
-            <a:r>
-              <a:rPr lang="en-GB" dirty="0" err="1"/>
-              <a:t>bude</a:t>
-            </a:r>
-            <a:r>
-              <a:rPr lang="en-GB" dirty="0"/>
-              <a:t> </a:t>
-            </a:r>
-            <a:r>
-              <a:rPr lang="en-GB" dirty="0" err="1"/>
-              <a:t>poskitována</a:t>
-            </a:r>
-            <a:r>
-              <a:rPr lang="en-GB" dirty="0"/>
-              <a:t> v freemium </a:t>
-            </a:r>
-            <a:r>
-              <a:rPr lang="en-GB" dirty="0" err="1"/>
-              <a:t>modelu</a:t>
-            </a:r>
-            <a:r>
-              <a:rPr lang="en-GB" dirty="0"/>
-              <a:t>, </a:t>
-            </a:r>
-            <a:r>
-              <a:rPr lang="en-GB" dirty="0" err="1"/>
-              <a:t>aplikace</a:t>
-            </a:r>
-            <a:r>
-              <a:rPr lang="en-GB" dirty="0"/>
-              <a:t> </a:t>
-            </a:r>
-            <a:r>
-              <a:rPr lang="en-GB" dirty="0" err="1"/>
-              <a:t>bude</a:t>
-            </a:r>
-            <a:r>
-              <a:rPr lang="en-GB" dirty="0"/>
-              <a:t> </a:t>
-            </a:r>
-            <a:r>
-              <a:rPr lang="en-GB" dirty="0" err="1"/>
-              <a:t>zdarma</a:t>
-            </a:r>
-            <a:r>
-              <a:rPr lang="en-GB" dirty="0"/>
-              <a:t>, </a:t>
-            </a:r>
-            <a:r>
-              <a:rPr lang="en-GB" dirty="0" err="1"/>
-              <a:t>ovšem</a:t>
-            </a:r>
-            <a:r>
-              <a:rPr lang="en-GB" dirty="0"/>
-              <a:t> s </a:t>
-            </a:r>
-            <a:r>
-              <a:rPr lang="en-GB" dirty="0" err="1"/>
-              <a:t>omezenou</a:t>
-            </a:r>
-            <a:r>
-              <a:rPr lang="en-GB" dirty="0"/>
-              <a:t> </a:t>
-            </a:r>
-            <a:r>
-              <a:rPr lang="en-GB" dirty="0" err="1"/>
-              <a:t>funkcionalitou</a:t>
-            </a:r>
-            <a:r>
-              <a:rPr lang="en-GB" dirty="0"/>
-              <a:t>, pro </a:t>
-            </a:r>
-            <a:r>
-              <a:rPr lang="en-GB" dirty="0" err="1"/>
-              <a:t>použití</a:t>
-            </a:r>
-            <a:r>
-              <a:rPr lang="en-GB" dirty="0"/>
-              <a:t> </a:t>
-            </a:r>
-            <a:r>
-              <a:rPr lang="en-GB" dirty="0" err="1"/>
-              <a:t>všech</a:t>
-            </a:r>
-            <a:r>
-              <a:rPr lang="en-GB" dirty="0"/>
-              <a:t> </a:t>
-            </a:r>
-            <a:r>
-              <a:rPr lang="en-GB" dirty="0" err="1"/>
-              <a:t>schopností</a:t>
-            </a:r>
-            <a:r>
-              <a:rPr lang="en-GB" dirty="0"/>
-              <a:t> </a:t>
-            </a:r>
-            <a:r>
-              <a:rPr lang="en-GB" dirty="0" err="1"/>
-              <a:t>bude</a:t>
-            </a:r>
-            <a:r>
-              <a:rPr lang="en-GB" dirty="0"/>
-              <a:t> </a:t>
-            </a:r>
-            <a:r>
-              <a:rPr lang="en-GB" dirty="0" err="1"/>
-              <a:t>muset</a:t>
-            </a:r>
-            <a:r>
-              <a:rPr lang="en-GB" dirty="0"/>
-              <a:t> </a:t>
-            </a:r>
-            <a:r>
-              <a:rPr lang="en-GB" dirty="0" err="1"/>
-              <a:t>uživatel</a:t>
-            </a:r>
-            <a:r>
-              <a:rPr lang="en-GB" dirty="0"/>
-              <a:t> </a:t>
-            </a:r>
-            <a:r>
-              <a:rPr lang="en-GB" dirty="0" err="1"/>
-              <a:t>platit</a:t>
-            </a:r>
-            <a:r>
-              <a:rPr lang="en-GB" dirty="0"/>
-              <a:t> </a:t>
-            </a:r>
-            <a:r>
-              <a:rPr lang="en-GB" dirty="0" err="1"/>
-              <a:t>měsíční</a:t>
-            </a:r>
-            <a:r>
-              <a:rPr lang="en-GB" dirty="0"/>
-              <a:t> </a:t>
-            </a:r>
-            <a:r>
-              <a:rPr lang="en-GB" dirty="0" err="1"/>
-              <a:t>poplatek</a:t>
-            </a:r>
-            <a:r>
-              <a:rPr lang="en-GB" dirty="0"/>
-              <a:t>, a </a:t>
-            </a:r>
-            <a:r>
-              <a:rPr lang="en-GB" dirty="0" err="1"/>
-              <a:t>spolupráce</a:t>
-            </a:r>
-            <a:r>
-              <a:rPr lang="en-GB" dirty="0"/>
-              <a:t> s </a:t>
-            </a:r>
-            <a:r>
-              <a:rPr lang="en-GB" dirty="0" err="1"/>
-              <a:t>modními</a:t>
-            </a:r>
-            <a:r>
-              <a:rPr lang="en-GB" dirty="0"/>
-              <a:t> </a:t>
-            </a:r>
-            <a:r>
-              <a:rPr lang="en-GB" dirty="0" err="1"/>
-              <a:t>návrháři</a:t>
-            </a:r>
-            <a:r>
-              <a:rPr lang="en-GB" dirty="0"/>
-              <a:t> </a:t>
-            </a:r>
-            <a:r>
-              <a:rPr lang="en-GB" dirty="0" err="1"/>
-              <a:t>dopuročováním</a:t>
-            </a:r>
-            <a:r>
-              <a:rPr lang="en-GB" dirty="0"/>
-              <a:t> </a:t>
-            </a:r>
-            <a:r>
-              <a:rPr lang="en-GB" dirty="0" err="1"/>
-              <a:t>jejich</a:t>
-            </a:r>
-            <a:r>
-              <a:rPr lang="en-GB" dirty="0"/>
-              <a:t> </a:t>
-            </a:r>
-            <a:r>
-              <a:rPr lang="en-GB" dirty="0" err="1"/>
-              <a:t>produktů</a:t>
-            </a:r>
-            <a:r>
-              <a:rPr lang="en-GB" dirty="0"/>
-              <a:t> </a:t>
-            </a:r>
-            <a:r>
-              <a:rPr lang="en-GB" dirty="0" err="1"/>
-              <a:t>jako</a:t>
-            </a:r>
-            <a:r>
-              <a:rPr lang="en-GB" dirty="0"/>
-              <a:t> </a:t>
-            </a:r>
-            <a:r>
-              <a:rPr lang="en-GB" dirty="0" err="1"/>
-              <a:t>návrhy</a:t>
-            </a:r>
-            <a:r>
-              <a:rPr lang="en-GB" dirty="0"/>
-              <a:t> pro </a:t>
-            </a:r>
-            <a:r>
-              <a:rPr lang="en-GB" dirty="0" err="1"/>
-              <a:t>přidání</a:t>
-            </a:r>
-            <a:r>
-              <a:rPr lang="en-GB" dirty="0"/>
-              <a:t> do </a:t>
-            </a:r>
-            <a:r>
-              <a:rPr lang="en-GB" dirty="0" err="1"/>
-              <a:t>kolekce</a:t>
-            </a:r>
-            <a:r>
-              <a:rPr lang="en-GB" dirty="0"/>
-              <a:t>.</a:t>
-            </a:r>
-          </a:p>
-          <a:p>
-            <a:endParaRPr lang="en-GB"/>
           </a:p>
           <a:p>
             <a:endParaRPr lang="en-GB" dirty="0"/>
@@ -15891,9 +15688,26 @@
           <a:p>
             <a:pPr algn="r"/>
             <a:r>
-              <a:rPr lang="en-GB" sz="6600"/>
-              <a:t>Proč jsme vzníkly</a:t>
-            </a:r>
+              <a:rPr lang="en-GB" sz="6600" dirty="0" err="1"/>
+              <a:t>Proč</a:t>
+            </a:r>
+            <a:r>
+              <a:rPr lang="en-GB" sz="6600" dirty="0"/>
+              <a:t> </a:t>
+            </a:r>
+            <a:r>
+              <a:rPr lang="en-GB" sz="6600" dirty="0" err="1"/>
+              <a:t>jsme</a:t>
+            </a:r>
+            <a:r>
+              <a:rPr lang="en-GB" sz="6600" dirty="0"/>
+              <a:t> </a:t>
+            </a:r>
+            <a:r>
+              <a:rPr lang="en-GB" sz="6600" dirty="0" err="1"/>
+              <a:t>vznikly</a:t>
+            </a:r>
+            <a:endParaRPr lang="en-GB" sz="6600" dirty="0"/>
           </a:p>
         </p:txBody>
       </p:sp>
@@ -15968,7 +15782,7 @@
             <p:ph idx="1"/>
             <p:extLst>
               <p:ext uri="{D42A27DB-BD31-4B8C-83A1-F6EECF244321}">
-                <p14:modId xmlns:p14="http://schemas.microsoft.com/office/powerpoint/2010/main" val="524120953"/>
+                <p14:modId xmlns:p14="http://schemas.microsoft.com/office/powerpoint/2010/main" val="809781033"/>
               </p:ext>
             </p:extLst>
           </p:nvPr>
